--- a/lectures/slides/4_bayes.pptx
+++ b/lectures/slides/4_bayes.pptx
@@ -6222,7 +6222,7 @@
           <a:p>
             <a:r>
               <a:rPr lang="en-US" dirty="0"/>
-              <a:t>Technically, we could model the hyperparameters as RVs and solve a hierarchical Bayesian inference problem,</a:t>
+              <a:t>Technically, we could model the hyperparameters as RVs and solve a hierarchical Bayesian inference problem</a:t>
             </a:r>
           </a:p>
           <a:p>

--- a/lectures/slides/4_bayes.pptx
+++ b/lectures/slides/4_bayes.pptx
@@ -5,7 +5,7 @@
     <p:sldMasterId id="2147483699" r:id="rId1"/>
   </p:sldMasterIdLst>
   <p:notesMasterIdLst>
-    <p:notesMasterId r:id="rId12"/>
+    <p:notesMasterId r:id="rId11"/>
   </p:notesMasterIdLst>
   <p:sldIdLst>
     <p:sldId id="4192" r:id="rId2"/>
@@ -17,7 +17,6 @@
     <p:sldId id="4194" r:id="rId8"/>
     <p:sldId id="4204" r:id="rId9"/>
     <p:sldId id="4202" r:id="rId10"/>
-    <p:sldId id="4196" r:id="rId11"/>
   </p:sldIdLst>
   <p:sldSz cx="12192000" cy="6858000"/>
   <p:notesSz cx="6858000" cy="9144000"/>
@@ -222,7 +221,7 @@
           <a:p>
             <a:fld id="{8DEF7F9A-864F-DE44-AF07-EDC0CAC90137}" type="datetimeFigureOut">
               <a:rPr lang="en-US" smtClean="0"/>
-              <a:t>1/31/24</a:t>
+              <a:t>2/1/24</a:t>
             </a:fld>
             <a:endParaRPr lang="en-US"/>
           </a:p>
@@ -6136,206 +6135,6 @@
       </p:transition>
     </mc:Fallback>
   </mc:AlternateContent>
-</p:sld>
-</file>
-
-<file path=ppt/slides/slide10.xml><?xml version="1.0" encoding="utf-8"?>
-<p:sld xmlns:a="http://schemas.openxmlformats.org/drawingml/2006/main" xmlns:r="http://schemas.openxmlformats.org/officeDocument/2006/relationships" xmlns:p="http://schemas.openxmlformats.org/presentationml/2006/main">
-  <p:cSld>
-    <p:spTree>
-      <p:nvGrpSpPr>
-        <p:cNvPr id="1" name=""/>
-        <p:cNvGrpSpPr/>
-        <p:nvPr/>
-      </p:nvGrpSpPr>
-      <p:grpSpPr>
-        <a:xfrm>
-          <a:off x="0" y="0"/>
-          <a:ext cx="0" cy="0"/>
-          <a:chOff x="0" y="0"/>
-          <a:chExt cx="0" cy="0"/>
-        </a:xfrm>
-      </p:grpSpPr>
-      <p:sp>
-        <p:nvSpPr>
-          <p:cNvPr id="2" name="Title 1">
-            <a:extLst>
-              <a:ext uri="{FF2B5EF4-FFF2-40B4-BE49-F238E27FC236}">
-                <a16:creationId xmlns:a16="http://schemas.microsoft.com/office/drawing/2014/main" id="{67423B8D-44C0-F4ED-368A-D87299E0EE2F}"/>
-              </a:ext>
-            </a:extLst>
-          </p:cNvPr>
-          <p:cNvSpPr>
-            <a:spLocks noGrp="1"/>
-          </p:cNvSpPr>
-          <p:nvPr>
-            <p:ph type="title"/>
-          </p:nvPr>
-        </p:nvSpPr>
-        <p:spPr/>
-        <p:txBody>
-          <a:bodyPr/>
-          <a:lstStyle/>
-          <a:p>
-            <a:r>
-              <a:rPr lang="en-US" dirty="0"/>
-              <a:t>Type II maximum likelihood method</a:t>
-            </a:r>
-          </a:p>
-        </p:txBody>
-      </p:sp>
-      <p:sp>
-        <p:nvSpPr>
-          <p:cNvPr id="3" name="Content Placeholder 2">
-            <a:extLst>
-              <a:ext uri="{FF2B5EF4-FFF2-40B4-BE49-F238E27FC236}">
-                <a16:creationId xmlns:a16="http://schemas.microsoft.com/office/drawing/2014/main" id="{F1A9C1D5-E408-6EBB-47F0-214A7E948E34}"/>
-              </a:ext>
-            </a:extLst>
-          </p:cNvPr>
-          <p:cNvSpPr>
-            <a:spLocks noGrp="1"/>
-          </p:cNvSpPr>
-          <p:nvPr>
-            <p:ph idx="1"/>
-          </p:nvPr>
-        </p:nvSpPr>
-        <p:spPr/>
-        <p:txBody>
-          <a:bodyPr/>
-          <a:lstStyle/>
-          <a:p>
-            <a:r>
-              <a:rPr lang="en-US" dirty="0"/>
-              <a:t>The hyperparameters,                             , are difficult to choose</a:t>
-            </a:r>
-          </a:p>
-          <a:p>
-            <a:r>
-              <a:rPr lang="en-US" dirty="0"/>
-              <a:t>To find them, we can optimize the marginal likelihood,</a:t>
-            </a:r>
-          </a:p>
-          <a:p>
-            <a:endParaRPr lang="en-US" dirty="0"/>
-          </a:p>
-          <a:p>
-            <a:r>
-              <a:rPr lang="en-US" dirty="0"/>
-              <a:t>Technically, we could model the hyperparameters as RVs and solve a hierarchical Bayesian inference problem</a:t>
-            </a:r>
-          </a:p>
-          <a:p>
-            <a:endParaRPr lang="en-US" dirty="0"/>
-          </a:p>
-          <a:p>
-            <a:r>
-              <a:rPr lang="en-US" dirty="0"/>
-              <a:t>Type II ML provides a nice balance in practice</a:t>
-            </a:r>
-          </a:p>
-        </p:txBody>
-      </p:sp>
-      <p:sp>
-        <p:nvSpPr>
-          <p:cNvPr id="4" name="Slide Number Placeholder 3">
-            <a:extLst>
-              <a:ext uri="{FF2B5EF4-FFF2-40B4-BE49-F238E27FC236}">
-                <a16:creationId xmlns:a16="http://schemas.microsoft.com/office/drawing/2014/main" id="{83D8A7B2-A1B0-0783-17F7-F072F2AE328C}"/>
-              </a:ext>
-            </a:extLst>
-          </p:cNvPr>
-          <p:cNvSpPr>
-            <a:spLocks noGrp="1"/>
-          </p:cNvSpPr>
-          <p:nvPr>
-            <p:ph type="sldNum" sz="quarter" idx="4"/>
-          </p:nvPr>
-        </p:nvSpPr>
-        <p:spPr/>
-        <p:txBody>
-          <a:bodyPr/>
-          <a:lstStyle/>
-          <a:p>
-            <a:fld id="{6FB6B91F-BB11-E946-B7F6-1372EDB8DEC1}" type="slidenum">
-              <a:rPr lang="en-US" smtClean="0"/>
-              <a:pPr/>
-              <a:t>10</a:t>
-            </a:fld>
-            <a:endParaRPr lang="en-US" dirty="0"/>
-          </a:p>
-        </p:txBody>
-      </p:sp>
-      <p:pic>
-        <p:nvPicPr>
-          <p:cNvPr id="5" name="Picture 4">
-            <a:extLst>
-              <a:ext uri="{FF2B5EF4-FFF2-40B4-BE49-F238E27FC236}">
-                <a16:creationId xmlns:a16="http://schemas.microsoft.com/office/drawing/2014/main" id="{4191BF05-815C-BF0D-2534-ED532D78E18A}"/>
-              </a:ext>
-            </a:extLst>
-          </p:cNvPr>
-          <p:cNvPicPr>
-            <a:picLocks noChangeAspect="1"/>
-          </p:cNvPicPr>
-          <p:nvPr/>
-        </p:nvPicPr>
-        <p:blipFill>
-          <a:blip r:embed="rId2"/>
-          <a:stretch>
-            <a:fillRect/>
-          </a:stretch>
-        </p:blipFill>
-        <p:spPr>
-          <a:xfrm>
-            <a:off x="3292856" y="1311035"/>
-            <a:ext cx="1778000" cy="190500"/>
-          </a:xfrm>
-          <a:prstGeom prst="rect">
-            <a:avLst/>
-          </a:prstGeom>
-        </p:spPr>
-      </p:pic>
-      <p:pic>
-        <p:nvPicPr>
-          <p:cNvPr id="6" name="Picture 5">
-            <a:extLst>
-              <a:ext uri="{FF2B5EF4-FFF2-40B4-BE49-F238E27FC236}">
-                <a16:creationId xmlns:a16="http://schemas.microsoft.com/office/drawing/2014/main" id="{ECDEC36D-132A-B321-A1EA-4E06F637517F}"/>
-              </a:ext>
-            </a:extLst>
-          </p:cNvPr>
-          <p:cNvPicPr>
-            <a:picLocks noChangeAspect="1"/>
-          </p:cNvPicPr>
-          <p:nvPr/>
-        </p:nvPicPr>
-        <p:blipFill>
-          <a:blip r:embed="rId3"/>
-          <a:stretch>
-            <a:fillRect/>
-          </a:stretch>
-        </p:blipFill>
-        <p:spPr>
-          <a:xfrm>
-            <a:off x="974090" y="2006092"/>
-            <a:ext cx="5245100" cy="431800"/>
-          </a:xfrm>
-          <a:prstGeom prst="rect">
-            <a:avLst/>
-          </a:prstGeom>
-        </p:spPr>
-      </p:pic>
-    </p:spTree>
-    <p:extLst>
-      <p:ext uri="{BB962C8B-B14F-4D97-AF65-F5344CB8AC3E}">
-        <p14:creationId xmlns:p14="http://schemas.microsoft.com/office/powerpoint/2010/main" val="1355949636"/>
-      </p:ext>
-    </p:extLst>
-  </p:cSld>
-  <p:clrMapOvr>
-    <a:masterClrMapping/>
-  </p:clrMapOvr>
 </p:sld>
 </file>
 
